--- a/hw4/Project 4_Tables.pptx
+++ b/hw4/Project 4_Tables.pptx
@@ -3359,7 +3359,7 @@
               <p:nvPr>
                 <p:extLst>
                   <p:ext uri="{D42A27DB-BD31-4B8C-83A1-F6EECF244321}">
-                    <p14:modId xmlns:p14="http://schemas.microsoft.com/office/powerpoint/2010/main" val="2234660340"/>
+                    <p14:modId xmlns:p14="http://schemas.microsoft.com/office/powerpoint/2010/main" val="2118699888"/>
                   </p:ext>
                 </p:extLst>
               </p:nvPr>
@@ -4313,7 +4313,7 @@
                                     <a:latin typeface="Cambria Math" panose="02040503050406030204" pitchFamily="18" charset="0"/>
                                     <a:cs typeface="Times New Roman" panose="02020603050405020304" pitchFamily="18" charset="0"/>
                                   </a:rPr>
-                                  <m:t>8.26</m:t>
+                                  <m:t>7.67</m:t>
                                 </m:r>
                                 <m:r>
                                   <a:rPr lang="en-US" altLang="ko-KR" sz="1200" b="0" i="1" smtClean="0">
@@ -4329,11 +4329,123 @@
                                     <a:ea typeface="Cambria Math" panose="02040503050406030204" pitchFamily="18" charset="0"/>
                                     <a:cs typeface="Times New Roman" panose="02020603050405020304" pitchFamily="18" charset="0"/>
                                   </a:rPr>
-                                  <m:t>−60</m:t>
+                                  <m:t>−08</m:t>
                                 </m:r>
                               </m:oMath>
                             </m:oMathPara>
                           </a14:m>
+                          <a:endParaRPr lang="ko-KR" altLang="en-US" sz="1200" dirty="0">
+                            <a:latin typeface="Times New Roman" panose="02020603050405020304" pitchFamily="18" charset="0"/>
+                            <a:cs typeface="Times New Roman" panose="02020603050405020304" pitchFamily="18" charset="0"/>
+                          </a:endParaRPr>
+                        </a:p>
+                      </a:txBody>
+                      <a:tcPr anchor="ctr"/>
+                    </a:tc>
+                    <a:tc>
+                      <a:txBody>
+                        <a:bodyPr/>
+                        <a:lstStyle/>
+                        <a:p>
+                          <a:pPr marL="0" marR="0" lvl="0" indent="0" algn="ctr" defTabSz="914400" rtl="0" eaLnBrk="1" fontAlgn="auto" latinLnBrk="1" hangingPunct="1">
+                            <a:lnSpc>
+                              <a:spcPct val="100000"/>
+                            </a:lnSpc>
+                            <a:spcBef>
+                              <a:spcPts val="0"/>
+                            </a:spcBef>
+                            <a:spcAft>
+                              <a:spcPts val="0"/>
+                            </a:spcAft>
+                            <a:buClrTx/>
+                            <a:buSzTx/>
+                            <a:buFontTx/>
+                            <a:buNone/>
+                            <a:tabLst/>
+                            <a:defRPr/>
+                          </a:pPr>
+                          <a14:m>
+                            <m:oMath xmlns:m="http://schemas.openxmlformats.org/officeDocument/2006/math">
+                              <m:r>
+                                <a:rPr lang="en-US" altLang="ko-KR" sz="1200" b="0" i="1" smtClean="0">
+                                  <a:latin typeface="Cambria Math" panose="02040503050406030204" pitchFamily="18" charset="0"/>
+                                  <a:cs typeface="Times New Roman" panose="02020603050405020304" pitchFamily="18" charset="0"/>
+                                </a:rPr>
+                                <m:t>0.</m:t>
+                              </m:r>
+                            </m:oMath>
+                          </a14:m>
+                          <a:r>
+                            <a:rPr lang="en-US" altLang="ko-KR" sz="1200" dirty="0">
+                              <a:latin typeface="Times New Roman" panose="02020603050405020304" pitchFamily="18" charset="0"/>
+                              <a:cs typeface="Times New Roman" panose="02020603050405020304" pitchFamily="18" charset="0"/>
+                            </a:rPr>
+                            <a:t>012</a:t>
+                          </a:r>
+                          <a:endParaRPr lang="ko-KR" altLang="en-US" sz="1200" dirty="0">
+                            <a:latin typeface="Times New Roman" panose="02020603050405020304" pitchFamily="18" charset="0"/>
+                            <a:cs typeface="Times New Roman" panose="02020603050405020304" pitchFamily="18" charset="0"/>
+                          </a:endParaRPr>
+                        </a:p>
+                      </a:txBody>
+                      <a:tcPr anchor="ctr"/>
+                    </a:tc>
+                    <a:tc>
+                      <a:txBody>
+                        <a:bodyPr/>
+                        <a:lstStyle/>
+                        <a:p>
+                          <a:pPr marL="0" marR="0" lvl="0" indent="0" algn="ctr" defTabSz="914400" rtl="0" eaLnBrk="1" fontAlgn="auto" latinLnBrk="1" hangingPunct="1">
+                            <a:lnSpc>
+                              <a:spcPct val="100000"/>
+                            </a:lnSpc>
+                            <a:spcBef>
+                              <a:spcPts val="0"/>
+                            </a:spcBef>
+                            <a:spcAft>
+                              <a:spcPts val="0"/>
+                            </a:spcAft>
+                            <a:buClrTx/>
+                            <a:buSzTx/>
+                            <a:buFontTx/>
+                            <a:buNone/>
+                            <a:tabLst/>
+                            <a:defRPr/>
+                          </a:pPr>
+                          <a14:m>
+                            <m:oMath xmlns:m="http://schemas.openxmlformats.org/officeDocument/2006/math">
+                              <m:r>
+                                <a:rPr lang="en-US" altLang="ko-KR" sz="1200" b="0" i="1" smtClean="0">
+                                  <a:latin typeface="Cambria Math" panose="02040503050406030204" pitchFamily="18" charset="0"/>
+                                  <a:cs typeface="Times New Roman" panose="02020603050405020304" pitchFamily="18" charset="0"/>
+                                </a:rPr>
+                                <m:t>2.45</m:t>
+                              </m:r>
+                              <m:r>
+                                <a:rPr lang="en-US" altLang="ko-KR" sz="1200" b="0" i="1" smtClean="0">
+                                  <a:latin typeface="Cambria Math" panose="02040503050406030204" pitchFamily="18" charset="0"/>
+                                  <a:ea typeface="Cambria Math" panose="02040503050406030204" pitchFamily="18" charset="0"/>
+                                  <a:cs typeface="Times New Roman" panose="02020603050405020304" pitchFamily="18" charset="0"/>
+                                </a:rPr>
+                                <m:t>𝐸</m:t>
+                              </m:r>
+                              <m:r>
+                                <a:rPr lang="en-US" altLang="ko-KR" sz="1200" b="0" i="1" smtClean="0">
+                                  <a:latin typeface="Cambria Math" panose="02040503050406030204" pitchFamily="18" charset="0"/>
+                                  <a:ea typeface="Cambria Math" panose="02040503050406030204" pitchFamily="18" charset="0"/>
+                                  <a:cs typeface="Times New Roman" panose="02020603050405020304" pitchFamily="18" charset="0"/>
+                                </a:rPr>
+                                <m:t>−</m:t>
+                              </m:r>
+                            </m:oMath>
+                          </a14:m>
+                          <a:r>
+                            <a:rPr lang="en-US" altLang="ko-KR" sz="1200" dirty="0">
+                              <a:latin typeface="Times New Roman" panose="02020603050405020304" pitchFamily="18" charset="0"/>
+                              <a:cs typeface="Times New Roman" panose="02020603050405020304" pitchFamily="18" charset="0"/>
+                            </a:rPr>
+                            <a:t>21</a:t>
+                          </a:r>
                           <a:endParaRPr lang="ko-KR" altLang="en-US" sz="1200" dirty="0">
                             <a:latin typeface="Times New Roman" panose="02020603050405020304" pitchFamily="18" charset="0"/>
                             <a:cs typeface="Times New Roman" panose="02020603050405020304" pitchFamily="18" charset="0"/>
@@ -4375,7 +4487,7 @@
                                     <a:latin typeface="Cambria Math" panose="02040503050406030204" pitchFamily="18" charset="0"/>
                                     <a:cs typeface="Times New Roman" panose="02020603050405020304" pitchFamily="18" charset="0"/>
                                   </a:rPr>
-                                  <m:t>8.26</m:t>
+                                  <m:t>4.85</m:t>
                                 </m:r>
                                 <m:r>
                                   <a:rPr lang="en-US" altLang="ko-KR" sz="1200" b="0" i="1" smtClean="0">
@@ -4391,11 +4503,75 @@
                                     <a:ea typeface="Cambria Math" panose="02040503050406030204" pitchFamily="18" charset="0"/>
                                     <a:cs typeface="Times New Roman" panose="02020603050405020304" pitchFamily="18" charset="0"/>
                                   </a:rPr>
-                                  <m:t>−60</m:t>
+                                  <m:t>−28</m:t>
                                 </m:r>
                               </m:oMath>
                             </m:oMathPara>
                           </a14:m>
+                          <a:endParaRPr lang="ko-KR" altLang="en-US" sz="1200" dirty="0">
+                            <a:latin typeface="Times New Roman" panose="02020603050405020304" pitchFamily="18" charset="0"/>
+                            <a:cs typeface="Times New Roman" panose="02020603050405020304" pitchFamily="18" charset="0"/>
+                          </a:endParaRPr>
+                        </a:p>
+                      </a:txBody>
+                      <a:tcPr anchor="ctr"/>
+                    </a:tc>
+                    <a:tc>
+                      <a:txBody>
+                        <a:bodyPr/>
+                        <a:lstStyle/>
+                        <a:p>
+                          <a:pPr marL="0" marR="0" lvl="0" indent="0" algn="ctr" defTabSz="914400" rtl="0" eaLnBrk="1" fontAlgn="auto" latinLnBrk="1" hangingPunct="1">
+                            <a:lnSpc>
+                              <a:spcPct val="100000"/>
+                            </a:lnSpc>
+                            <a:spcBef>
+                              <a:spcPts val="0"/>
+                            </a:spcBef>
+                            <a:spcAft>
+                              <a:spcPts val="0"/>
+                            </a:spcAft>
+                            <a:buClrTx/>
+                            <a:buSzTx/>
+                            <a:buFontTx/>
+                            <a:buNone/>
+                            <a:tabLst/>
+                            <a:defRPr/>
+                          </a:pPr>
+                          <a14:m>
+                            <m:oMath xmlns:m="http://schemas.openxmlformats.org/officeDocument/2006/math">
+                              <m:r>
+                                <a:rPr lang="en-US" altLang="ko-KR" sz="1200" b="0" i="1" smtClean="0">
+                                  <a:latin typeface="Cambria Math" panose="02040503050406030204" pitchFamily="18" charset="0"/>
+                                  <a:cs typeface="Times New Roman" panose="02020603050405020304" pitchFamily="18" charset="0"/>
+                                </a:rPr>
+                                <m:t>2.95</m:t>
+                              </m:r>
+                              <m:r>
+                                <a:rPr lang="en-US" altLang="ko-KR" sz="1200" b="0" i="1" smtClean="0">
+                                  <a:latin typeface="Cambria Math" panose="02040503050406030204" pitchFamily="18" charset="0"/>
+                                  <a:ea typeface="Cambria Math" panose="02040503050406030204" pitchFamily="18" charset="0"/>
+                                  <a:cs typeface="Times New Roman" panose="02020603050405020304" pitchFamily="18" charset="0"/>
+                                </a:rPr>
+                                <m:t>𝐸</m:t>
+                              </m:r>
+                              <m:r>
+                                <a:rPr lang="en-US" altLang="ko-KR" sz="1200" b="0" i="1" smtClean="0">
+                                  <a:latin typeface="Cambria Math" panose="02040503050406030204" pitchFamily="18" charset="0"/>
+                                  <a:ea typeface="Cambria Math" panose="02040503050406030204" pitchFamily="18" charset="0"/>
+                                  <a:cs typeface="Times New Roman" panose="02020603050405020304" pitchFamily="18" charset="0"/>
+                                </a:rPr>
+                                <m:t>−</m:t>
+                              </m:r>
+                            </m:oMath>
+                          </a14:m>
+                          <a:r>
+                            <a:rPr lang="en-US" altLang="ko-KR" sz="1200" dirty="0">
+                              <a:latin typeface="Times New Roman" panose="02020603050405020304" pitchFamily="18" charset="0"/>
+                              <a:cs typeface="Times New Roman" panose="02020603050405020304" pitchFamily="18" charset="0"/>
+                            </a:rPr>
+                            <a:t>09</a:t>
+                          </a:r>
                           <a:endParaRPr lang="ko-KR" altLang="en-US" sz="1200" dirty="0">
                             <a:latin typeface="Times New Roman" panose="02020603050405020304" pitchFamily="18" charset="0"/>
                             <a:cs typeface="Times New Roman" panose="02020603050405020304" pitchFamily="18" charset="0"/>
@@ -4437,7 +4613,7 @@
                                     <a:latin typeface="Cambria Math" panose="02040503050406030204" pitchFamily="18" charset="0"/>
                                     <a:cs typeface="Times New Roman" panose="02020603050405020304" pitchFamily="18" charset="0"/>
                                   </a:rPr>
-                                  <m:t>8.26</m:t>
+                                  <m:t>6.02</m:t>
                                 </m:r>
                                 <m:r>
                                   <a:rPr lang="en-US" altLang="ko-KR" sz="1200" b="0" i="1" smtClean="0">
@@ -4453,7 +4629,7 @@
                                     <a:ea typeface="Cambria Math" panose="02040503050406030204" pitchFamily="18" charset="0"/>
                                     <a:cs typeface="Times New Roman" panose="02020603050405020304" pitchFamily="18" charset="0"/>
                                   </a:rPr>
-                                  <m:t>−60</m:t>
+                                  <m:t>−09</m:t>
                                 </m:r>
                               </m:oMath>
                             </m:oMathPara>
@@ -4499,7 +4675,7 @@
                                     <a:latin typeface="Cambria Math" panose="02040503050406030204" pitchFamily="18" charset="0"/>
                                     <a:cs typeface="Times New Roman" panose="02020603050405020304" pitchFamily="18" charset="0"/>
                                   </a:rPr>
-                                  <m:t>8.26</m:t>
+                                  <m:t>3.42</m:t>
                                 </m:r>
                                 <m:r>
                                   <a:rPr lang="en-US" altLang="ko-KR" sz="1200" b="0" i="1" smtClean="0">
@@ -4515,193 +4691,7 @@
                                     <a:ea typeface="Cambria Math" panose="02040503050406030204" pitchFamily="18" charset="0"/>
                                     <a:cs typeface="Times New Roman" panose="02020603050405020304" pitchFamily="18" charset="0"/>
                                   </a:rPr>
-                                  <m:t>−60</m:t>
-                                </m:r>
-                              </m:oMath>
-                            </m:oMathPara>
-                          </a14:m>
-                          <a:endParaRPr lang="ko-KR" altLang="en-US" sz="1200" dirty="0">
-                            <a:latin typeface="Times New Roman" panose="02020603050405020304" pitchFamily="18" charset="0"/>
-                            <a:cs typeface="Times New Roman" panose="02020603050405020304" pitchFamily="18" charset="0"/>
-                          </a:endParaRPr>
-                        </a:p>
-                      </a:txBody>
-                      <a:tcPr anchor="ctr"/>
-                    </a:tc>
-                    <a:tc>
-                      <a:txBody>
-                        <a:bodyPr/>
-                        <a:lstStyle/>
-                        <a:p>
-                          <a:pPr marL="0" marR="0" lvl="0" indent="0" algn="ctr" defTabSz="914400" rtl="0" eaLnBrk="1" fontAlgn="auto" latinLnBrk="1" hangingPunct="1">
-                            <a:lnSpc>
-                              <a:spcPct val="100000"/>
-                            </a:lnSpc>
-                            <a:spcBef>
-                              <a:spcPts val="0"/>
-                            </a:spcBef>
-                            <a:spcAft>
-                              <a:spcPts val="0"/>
-                            </a:spcAft>
-                            <a:buClrTx/>
-                            <a:buSzTx/>
-                            <a:buFontTx/>
-                            <a:buNone/>
-                            <a:tabLst/>
-                            <a:defRPr/>
-                          </a:pPr>
-                          <a14:m>
-                            <m:oMathPara xmlns:m="http://schemas.openxmlformats.org/officeDocument/2006/math">
-                              <m:oMathParaPr>
-                                <m:jc m:val="centerGroup"/>
-                              </m:oMathParaPr>
-                              <m:oMath xmlns:m="http://schemas.openxmlformats.org/officeDocument/2006/math">
-                                <m:r>
-                                  <a:rPr lang="en-US" altLang="ko-KR" sz="1200" b="0" i="1" smtClean="0">
-                                    <a:latin typeface="Cambria Math" panose="02040503050406030204" pitchFamily="18" charset="0"/>
-                                    <a:cs typeface="Times New Roman" panose="02020603050405020304" pitchFamily="18" charset="0"/>
-                                  </a:rPr>
-                                  <m:t>8.26</m:t>
-                                </m:r>
-                                <m:r>
-                                  <a:rPr lang="en-US" altLang="ko-KR" sz="1200" b="0" i="1" smtClean="0">
-                                    <a:latin typeface="Cambria Math" panose="02040503050406030204" pitchFamily="18" charset="0"/>
-                                    <a:ea typeface="Cambria Math" panose="02040503050406030204" pitchFamily="18" charset="0"/>
-                                    <a:cs typeface="Times New Roman" panose="02020603050405020304" pitchFamily="18" charset="0"/>
-                                  </a:rPr>
-                                  <m:t>𝐸</m:t>
-                                </m:r>
-                                <m:r>
-                                  <a:rPr lang="en-US" altLang="ko-KR" sz="1200" b="0" i="1" smtClean="0">
-                                    <a:latin typeface="Cambria Math" panose="02040503050406030204" pitchFamily="18" charset="0"/>
-                                    <a:ea typeface="Cambria Math" panose="02040503050406030204" pitchFamily="18" charset="0"/>
-                                    <a:cs typeface="Times New Roman" panose="02020603050405020304" pitchFamily="18" charset="0"/>
-                                  </a:rPr>
-                                  <m:t>−60</m:t>
-                                </m:r>
-                              </m:oMath>
-                            </m:oMathPara>
-                          </a14:m>
-                          <a:endParaRPr lang="ko-KR" altLang="en-US" sz="1200" dirty="0">
-                            <a:latin typeface="Times New Roman" panose="02020603050405020304" pitchFamily="18" charset="0"/>
-                            <a:cs typeface="Times New Roman" panose="02020603050405020304" pitchFamily="18" charset="0"/>
-                          </a:endParaRPr>
-                        </a:p>
-                      </a:txBody>
-                      <a:tcPr anchor="ctr"/>
-                    </a:tc>
-                    <a:tc>
-                      <a:txBody>
-                        <a:bodyPr/>
-                        <a:lstStyle/>
-                        <a:p>
-                          <a:pPr marL="0" marR="0" lvl="0" indent="0" algn="ctr" defTabSz="914400" rtl="0" eaLnBrk="1" fontAlgn="auto" latinLnBrk="1" hangingPunct="1">
-                            <a:lnSpc>
-                              <a:spcPct val="100000"/>
-                            </a:lnSpc>
-                            <a:spcBef>
-                              <a:spcPts val="0"/>
-                            </a:spcBef>
-                            <a:spcAft>
-                              <a:spcPts val="0"/>
-                            </a:spcAft>
-                            <a:buClrTx/>
-                            <a:buSzTx/>
-                            <a:buFontTx/>
-                            <a:buNone/>
-                            <a:tabLst/>
-                            <a:defRPr/>
-                          </a:pPr>
-                          <a14:m>
-                            <m:oMathPara xmlns:m="http://schemas.openxmlformats.org/officeDocument/2006/math">
-                              <m:oMathParaPr>
-                                <m:jc m:val="centerGroup"/>
-                              </m:oMathParaPr>
-                              <m:oMath xmlns:m="http://schemas.openxmlformats.org/officeDocument/2006/math">
-                                <m:r>
-                                  <a:rPr lang="en-US" altLang="ko-KR" sz="1200" b="0" i="1" smtClean="0">
-                                    <a:latin typeface="Cambria Math" panose="02040503050406030204" pitchFamily="18" charset="0"/>
-                                    <a:cs typeface="Times New Roman" panose="02020603050405020304" pitchFamily="18" charset="0"/>
-                                  </a:rPr>
-                                  <m:t>8.26</m:t>
-                                </m:r>
-                                <m:r>
-                                  <a:rPr lang="en-US" altLang="ko-KR" sz="1200" b="0" i="1" smtClean="0">
-                                    <a:latin typeface="Cambria Math" panose="02040503050406030204" pitchFamily="18" charset="0"/>
-                                    <a:ea typeface="Cambria Math" panose="02040503050406030204" pitchFamily="18" charset="0"/>
-                                    <a:cs typeface="Times New Roman" panose="02020603050405020304" pitchFamily="18" charset="0"/>
-                                  </a:rPr>
-                                  <m:t>𝐸</m:t>
-                                </m:r>
-                                <m:r>
-                                  <a:rPr lang="en-US" altLang="ko-KR" sz="1200" b="0" i="1" smtClean="0">
-                                    <a:latin typeface="Cambria Math" panose="02040503050406030204" pitchFamily="18" charset="0"/>
-                                    <a:ea typeface="Cambria Math" panose="02040503050406030204" pitchFamily="18" charset="0"/>
-                                    <a:cs typeface="Times New Roman" panose="02020603050405020304" pitchFamily="18" charset="0"/>
-                                  </a:rPr>
-                                  <m:t>−60</m:t>
-                                </m:r>
-                              </m:oMath>
-                            </m:oMathPara>
-                          </a14:m>
-                          <a:endParaRPr lang="ko-KR" altLang="en-US" sz="1200" dirty="0">
-                            <a:latin typeface="Times New Roman" panose="02020603050405020304" pitchFamily="18" charset="0"/>
-                            <a:cs typeface="Times New Roman" panose="02020603050405020304" pitchFamily="18" charset="0"/>
-                          </a:endParaRPr>
-                        </a:p>
-                      </a:txBody>
-                      <a:tcPr anchor="ctr"/>
-                    </a:tc>
-                    <a:tc>
-                      <a:txBody>
-                        <a:bodyPr/>
-                        <a:lstStyle/>
-                        <a:p>
-                          <a:pPr marL="0" marR="0" lvl="0" indent="0" algn="ctr" defTabSz="914400" rtl="0" eaLnBrk="1" fontAlgn="auto" latinLnBrk="1" hangingPunct="1">
-                            <a:lnSpc>
-                              <a:spcPct val="100000"/>
-                            </a:lnSpc>
-                            <a:spcBef>
-                              <a:spcPts val="0"/>
-                            </a:spcBef>
-                            <a:spcAft>
-                              <a:spcPts val="0"/>
-                            </a:spcAft>
-                            <a:buClrTx/>
-                            <a:buSzTx/>
-                            <a:buFontTx/>
-                            <a:buNone/>
-                            <a:tabLst/>
-                            <a:defRPr/>
-                          </a:pPr>
-                          <a14:m>
-                            <m:oMathPara xmlns:m="http://schemas.openxmlformats.org/officeDocument/2006/math">
-                              <m:oMathParaPr>
-                                <m:jc m:val="centerGroup"/>
-                              </m:oMathParaPr>
-                              <m:oMath xmlns:m="http://schemas.openxmlformats.org/officeDocument/2006/math">
-                                <m:r>
-                                  <a:rPr lang="en-US" altLang="ko-KR" sz="1200" b="0" i="1" smtClean="0">
-                                    <a:latin typeface="Cambria Math" panose="02040503050406030204" pitchFamily="18" charset="0"/>
-                                    <a:cs typeface="Times New Roman" panose="02020603050405020304" pitchFamily="18" charset="0"/>
-                                  </a:rPr>
-                                  <m:t>8.26</m:t>
-                                </m:r>
-                                <m:r>
-                                  <a:rPr lang="en-US" altLang="ko-KR" sz="1200" b="0" i="1" smtClean="0">
-                                    <a:latin typeface="Cambria Math" panose="02040503050406030204" pitchFamily="18" charset="0"/>
-                                    <a:ea typeface="Cambria Math" panose="02040503050406030204" pitchFamily="18" charset="0"/>
-                                    <a:cs typeface="Times New Roman" panose="02020603050405020304" pitchFamily="18" charset="0"/>
-                                  </a:rPr>
-                                  <m:t>𝐸</m:t>
-                                </m:r>
-                                <m:r>
-                                  <a:rPr lang="en-US" altLang="ko-KR" sz="1200" b="0" i="1" smtClean="0">
-                                    <a:latin typeface="Cambria Math" panose="02040503050406030204" pitchFamily="18" charset="0"/>
-                                    <a:ea typeface="Cambria Math" panose="02040503050406030204" pitchFamily="18" charset="0"/>
-                                    <a:cs typeface="Times New Roman" panose="02020603050405020304" pitchFamily="18" charset="0"/>
-                                  </a:rPr>
-                                  <m:t>−60</m:t>
+                                  <m:t>−96</m:t>
                                 </m:r>
                               </m:oMath>
                             </m:oMathPara>
@@ -4741,7 +4731,7 @@
               <p:nvPr>
                 <p:extLst>
                   <p:ext uri="{D42A27DB-BD31-4B8C-83A1-F6EECF244321}">
-                    <p14:modId xmlns:p14="http://schemas.microsoft.com/office/powerpoint/2010/main" val="2234660340"/>
+                    <p14:modId xmlns:p14="http://schemas.microsoft.com/office/powerpoint/2010/main" val="2118699888"/>
                   </p:ext>
                 </p:extLst>
               </p:nvPr>
